--- a/images/searchEngArchi1.pptx
+++ b/images/searchEngArchi1.pptx
@@ -288,7 +288,7 @@
           <a:p>
             <a:fld id="{6C94075A-C223-DC4A-BF9D-14AC18617FFD}" type="datetimeFigureOut">
               <a:rPr lang="en-US" smtClean="0"/>
-              <a:t>27/03/2015</a:t>
+              <a:t>12/04/2015</a:t>
             </a:fld>
             <a:endParaRPr lang="en-US"/>
           </a:p>
@@ -458,7 +458,7 @@
           <a:p>
             <a:fld id="{6C94075A-C223-DC4A-BF9D-14AC18617FFD}" type="datetimeFigureOut">
               <a:rPr lang="en-US" smtClean="0"/>
-              <a:t>27/03/2015</a:t>
+              <a:t>12/04/2015</a:t>
             </a:fld>
             <a:endParaRPr lang="en-US"/>
           </a:p>
@@ -638,7 +638,7 @@
           <a:p>
             <a:fld id="{6C94075A-C223-DC4A-BF9D-14AC18617FFD}" type="datetimeFigureOut">
               <a:rPr lang="en-US" smtClean="0"/>
-              <a:t>27/03/2015</a:t>
+              <a:t>12/04/2015</a:t>
             </a:fld>
             <a:endParaRPr lang="en-US"/>
           </a:p>
@@ -808,7 +808,7 @@
           <a:p>
             <a:fld id="{6C94075A-C223-DC4A-BF9D-14AC18617FFD}" type="datetimeFigureOut">
               <a:rPr lang="en-US" smtClean="0"/>
-              <a:t>27/03/2015</a:t>
+              <a:t>12/04/2015</a:t>
             </a:fld>
             <a:endParaRPr lang="en-US"/>
           </a:p>
@@ -1054,7 +1054,7 @@
           <a:p>
             <a:fld id="{6C94075A-C223-DC4A-BF9D-14AC18617FFD}" type="datetimeFigureOut">
               <a:rPr lang="en-US" smtClean="0"/>
-              <a:t>27/03/2015</a:t>
+              <a:t>12/04/2015</a:t>
             </a:fld>
             <a:endParaRPr lang="en-US"/>
           </a:p>
@@ -1342,7 +1342,7 @@
           <a:p>
             <a:fld id="{6C94075A-C223-DC4A-BF9D-14AC18617FFD}" type="datetimeFigureOut">
               <a:rPr lang="en-US" smtClean="0"/>
-              <a:t>27/03/2015</a:t>
+              <a:t>12/04/2015</a:t>
             </a:fld>
             <a:endParaRPr lang="en-US"/>
           </a:p>
@@ -1764,7 +1764,7 @@
           <a:p>
             <a:fld id="{6C94075A-C223-DC4A-BF9D-14AC18617FFD}" type="datetimeFigureOut">
               <a:rPr lang="en-US" smtClean="0"/>
-              <a:t>27/03/2015</a:t>
+              <a:t>12/04/2015</a:t>
             </a:fld>
             <a:endParaRPr lang="en-US"/>
           </a:p>
@@ -1882,7 +1882,7 @@
           <a:p>
             <a:fld id="{6C94075A-C223-DC4A-BF9D-14AC18617FFD}" type="datetimeFigureOut">
               <a:rPr lang="en-US" smtClean="0"/>
-              <a:t>27/03/2015</a:t>
+              <a:t>12/04/2015</a:t>
             </a:fld>
             <a:endParaRPr lang="en-US"/>
           </a:p>
@@ -1977,7 +1977,7 @@
           <a:p>
             <a:fld id="{6C94075A-C223-DC4A-BF9D-14AC18617FFD}" type="datetimeFigureOut">
               <a:rPr lang="en-US" smtClean="0"/>
-              <a:t>27/03/2015</a:t>
+              <a:t>12/04/2015</a:t>
             </a:fld>
             <a:endParaRPr lang="en-US"/>
           </a:p>
@@ -2254,7 +2254,7 @@
           <a:p>
             <a:fld id="{6C94075A-C223-DC4A-BF9D-14AC18617FFD}" type="datetimeFigureOut">
               <a:rPr lang="en-US" smtClean="0"/>
-              <a:t>27/03/2015</a:t>
+              <a:t>12/04/2015</a:t>
             </a:fld>
             <a:endParaRPr lang="en-US"/>
           </a:p>
@@ -2507,7 +2507,7 @@
           <a:p>
             <a:fld id="{6C94075A-C223-DC4A-BF9D-14AC18617FFD}" type="datetimeFigureOut">
               <a:rPr lang="en-US" smtClean="0"/>
-              <a:t>27/03/2015</a:t>
+              <a:t>12/04/2015</a:t>
             </a:fld>
             <a:endParaRPr lang="en-US"/>
           </a:p>
@@ -2720,7 +2720,7 @@
           <a:p>
             <a:fld id="{6C94075A-C223-DC4A-BF9D-14AC18617FFD}" type="datetimeFigureOut">
               <a:rPr lang="en-US" smtClean="0"/>
-              <a:t>27/03/2015</a:t>
+              <a:t>12/04/2015</a:t>
             </a:fld>
             <a:endParaRPr lang="en-US"/>
           </a:p>
@@ -3097,176 +3097,47 @@
       </p:grpSpPr>
       <p:pic>
         <p:nvPicPr>
-          <p:cNvPr id="4" name="Picture 3"/>
-          <p:cNvPicPr/>
+          <p:cNvPr id="18" name="Picture 17"/>
+          <p:cNvPicPr>
+            <a:picLocks noChangeAspect="1"/>
+          </p:cNvPicPr>
           <p:nvPr/>
         </p:nvPicPr>
-        <p:blipFill>
-          <a:blip r:embed="rId2">
-            <a:extLst>
-              <a:ext uri="{28A0092B-C50C-407E-A947-70E740481C1C}">
-                <a14:useLocalDpi xmlns:a14="http://schemas.microsoft.com/office/drawing/2010/main" val="0"/>
-              </a:ext>
-            </a:extLst>
-          </a:blip>
-          <a:srcRect/>
-          <a:stretch>
-            <a:fillRect/>
-          </a:stretch>
+        <p:blipFill rotWithShape="1">
+          <a:blip r:embed="rId2"/>
+          <a:srcRect l="12669" r="9906"/>
+          <a:stretch/>
         </p:blipFill>
-        <p:spPr bwMode="auto">
+        <p:spPr>
           <a:xfrm>
-            <a:off x="88471" y="1656666"/>
-            <a:ext cx="2609193" cy="2042343"/>
+            <a:off x="59769" y="722100"/>
+            <a:ext cx="4527177" cy="5047876"/>
+          </a:xfrm>
+          <a:prstGeom prst="rect">
+            <a:avLst/>
+          </a:prstGeom>
+        </p:spPr>
+      </p:pic>
+      <p:sp>
+        <p:nvSpPr>
+          <p:cNvPr id="19" name="TextBox 18"/>
+          <p:cNvSpPr txBox="1"/>
+          <p:nvPr/>
+        </p:nvSpPr>
+        <p:spPr>
+          <a:xfrm>
+            <a:off x="44828" y="722100"/>
+            <a:ext cx="4439293" cy="5355313"/>
           </a:xfrm>
           <a:prstGeom prst="rect">
             <a:avLst/>
           </a:prstGeom>
           <a:noFill/>
-          <a:ln>
-            <a:noFill/>
+          <a:ln w="38100" cmpd="sng">
+            <a:solidFill>
+              <a:schemeClr val="tx2"/>
+            </a:solidFill>
           </a:ln>
-        </p:spPr>
-      </p:pic>
-      <p:sp>
-        <p:nvSpPr>
-          <p:cNvPr id="5" name="Left-Right Arrow 4"/>
-          <p:cNvSpPr/>
-          <p:nvPr/>
-        </p:nvSpPr>
-        <p:spPr>
-          <a:xfrm>
-            <a:off x="2873802" y="2676649"/>
-            <a:ext cx="685800" cy="114300"/>
-          </a:xfrm>
-          <a:prstGeom prst="leftRightArrow">
-            <a:avLst/>
-          </a:prstGeom>
-        </p:spPr>
-        <p:style>
-          <a:lnRef idx="1">
-            <a:schemeClr val="accent1"/>
-          </a:lnRef>
-          <a:fillRef idx="3">
-            <a:schemeClr val="accent1"/>
-          </a:fillRef>
-          <a:effectRef idx="2">
-            <a:schemeClr val="accent1"/>
-          </a:effectRef>
-          <a:fontRef idx="minor">
-            <a:schemeClr val="lt1"/>
-          </a:fontRef>
-        </p:style>
-        <p:txBody>
-          <a:bodyPr rot="0" spcFirstLastPara="0" vert="horz" wrap="square" lIns="91440" tIns="45720" rIns="91440" bIns="45720" numCol="1" spcCol="0" rtlCol="0" fromWordArt="0" anchor="ctr" anchorCtr="0" forceAA="0" compatLnSpc="1">
-            <a:prstTxWarp prst="textNoShape">
-              <a:avLst/>
-            </a:prstTxWarp>
-            <a:noAutofit/>
-          </a:bodyPr>
-          <a:lstStyle/>
-          <a:p>
-            <a:endParaRPr lang="en-US" dirty="0"/>
-          </a:p>
-        </p:txBody>
-      </p:sp>
-      <p:sp>
-        <p:nvSpPr>
-          <p:cNvPr id="6" name="Oval 5"/>
-          <p:cNvSpPr/>
-          <p:nvPr/>
-        </p:nvSpPr>
-        <p:spPr>
-          <a:xfrm>
-            <a:off x="3666415" y="2531007"/>
-            <a:ext cx="1682554" cy="389736"/>
-          </a:xfrm>
-          <a:prstGeom prst="ellipse">
-            <a:avLst/>
-          </a:prstGeom>
-          <a:noFill/>
-          <a:ln w="38100" cmpd="sng"/>
-        </p:spPr>
-        <p:style>
-          <a:lnRef idx="1">
-            <a:schemeClr val="accent1"/>
-          </a:lnRef>
-          <a:fillRef idx="3">
-            <a:schemeClr val="accent1"/>
-          </a:fillRef>
-          <a:effectRef idx="2">
-            <a:schemeClr val="accent1"/>
-          </a:effectRef>
-          <a:fontRef idx="minor">
-            <a:schemeClr val="lt1"/>
-          </a:fontRef>
-        </p:style>
-        <p:txBody>
-          <a:bodyPr rtlCol="0" anchor="ctr"/>
-          <a:lstStyle/>
-          <a:p>
-            <a:pPr algn="ctr"/>
-            <a:endParaRPr lang="en-US"/>
-          </a:p>
-        </p:txBody>
-      </p:sp>
-      <p:sp>
-        <p:nvSpPr>
-          <p:cNvPr id="7" name="Left-Right Arrow 6"/>
-          <p:cNvSpPr/>
-          <p:nvPr/>
-        </p:nvSpPr>
-        <p:spPr>
-          <a:xfrm>
-            <a:off x="5427569" y="2683236"/>
-            <a:ext cx="685800" cy="114300"/>
-          </a:xfrm>
-          <a:prstGeom prst="leftRightArrow">
-            <a:avLst/>
-          </a:prstGeom>
-        </p:spPr>
-        <p:style>
-          <a:lnRef idx="1">
-            <a:schemeClr val="accent1"/>
-          </a:lnRef>
-          <a:fillRef idx="3">
-            <a:schemeClr val="accent1"/>
-          </a:fillRef>
-          <a:effectRef idx="2">
-            <a:schemeClr val="accent1"/>
-          </a:effectRef>
-          <a:fontRef idx="minor">
-            <a:schemeClr val="lt1"/>
-          </a:fontRef>
-        </p:style>
-        <p:txBody>
-          <a:bodyPr rot="0" spcFirstLastPara="0" vert="horz" wrap="square" lIns="91440" tIns="45720" rIns="91440" bIns="45720" numCol="1" spcCol="0" rtlCol="0" fromWordArt="0" anchor="ctr" anchorCtr="0" forceAA="0" compatLnSpc="1">
-            <a:prstTxWarp prst="textNoShape">
-              <a:avLst/>
-            </a:prstTxWarp>
-            <a:noAutofit/>
-          </a:bodyPr>
-          <a:lstStyle/>
-          <a:p>
-            <a:endParaRPr lang="en-US"/>
-          </a:p>
-        </p:txBody>
-      </p:sp>
-      <p:sp>
-        <p:nvSpPr>
-          <p:cNvPr id="8" name="TextBox 7"/>
-          <p:cNvSpPr txBox="1"/>
-          <p:nvPr/>
-        </p:nvSpPr>
-        <p:spPr>
-          <a:xfrm>
-            <a:off x="3754473" y="2577459"/>
-            <a:ext cx="1529601" cy="276999"/>
-          </a:xfrm>
-          <a:prstGeom prst="rect">
-            <a:avLst/>
-          </a:prstGeom>
-          <a:noFill/>
         </p:spPr>
         <p:txBody>
           <a:bodyPr wrap="square" rtlCol="0">
@@ -3274,132 +3145,74 @@
           </a:bodyPr>
           <a:lstStyle/>
           <a:p>
-            <a:pPr algn="ctr"/>
-            <a:r>
-              <a:rPr lang="en-US" sz="1200" b="1" dirty="0" smtClean="0">
-                <a:solidFill>
-                  <a:srgbClr val="1F497D"/>
-                </a:solidFill>
-                <a:cs typeface="Times New Roman"/>
-              </a:rPr>
-              <a:t>User Model</a:t>
-            </a:r>
-            <a:endParaRPr lang="en-US" sz="1200" b="1" dirty="0">
-              <a:solidFill>
-                <a:srgbClr val="1F497D"/>
-              </a:solidFill>
-              <a:cs typeface="Times New Roman"/>
-            </a:endParaRPr>
-          </a:p>
-        </p:txBody>
-      </p:sp>
-      <p:pic>
-        <p:nvPicPr>
-          <p:cNvPr id="9" name="Picture 8"/>
-          <p:cNvPicPr/>
-          <p:nvPr/>
-        </p:nvPicPr>
-        <p:blipFill>
-          <a:blip r:embed="rId3">
-            <a:extLst>
-              <a:ext uri="{28A0092B-C50C-407E-A947-70E740481C1C}">
-                <a14:useLocalDpi xmlns:a14="http://schemas.microsoft.com/office/drawing/2010/main" val="0"/>
-              </a:ext>
-            </a:extLst>
-          </a:blip>
-          <a:srcRect/>
-          <a:stretch>
-            <a:fillRect/>
-          </a:stretch>
-        </p:blipFill>
-        <p:spPr bwMode="auto">
-          <a:xfrm>
-            <a:off x="6542008" y="606771"/>
-            <a:ext cx="1764187" cy="1191260"/>
-          </a:xfrm>
-          <a:prstGeom prst="rect">
-            <a:avLst/>
-          </a:prstGeom>
-          <a:noFill/>
-          <a:ln>
-            <a:noFill/>
-          </a:ln>
-        </p:spPr>
-      </p:pic>
-      <p:pic>
-        <p:nvPicPr>
-          <p:cNvPr id="10" name="Picture 9"/>
-          <p:cNvPicPr/>
-          <p:nvPr/>
-        </p:nvPicPr>
-        <p:blipFill rotWithShape="1">
-          <a:blip r:embed="rId4">
-            <a:extLst>
-              <a:ext uri="{28A0092B-C50C-407E-A947-70E740481C1C}">
-                <a14:useLocalDpi xmlns:a14="http://schemas.microsoft.com/office/drawing/2010/main" val="0"/>
-              </a:ext>
-            </a:extLst>
-          </a:blip>
-          <a:srcRect r="14725"/>
-          <a:stretch/>
-        </p:blipFill>
-        <p:spPr bwMode="auto">
-          <a:xfrm>
-            <a:off x="6542008" y="2252296"/>
-            <a:ext cx="1764187" cy="1122680"/>
-          </a:xfrm>
-          <a:prstGeom prst="rect">
-            <a:avLst/>
-          </a:prstGeom>
-          <a:noFill/>
-          <a:ln>
-            <a:noFill/>
-          </a:ln>
-        </p:spPr>
-      </p:pic>
-      <p:pic>
-        <p:nvPicPr>
-          <p:cNvPr id="11" name="Picture 10"/>
-          <p:cNvPicPr/>
-          <p:nvPr/>
-        </p:nvPicPr>
-        <p:blipFill>
-          <a:blip r:embed="rId5">
-            <a:extLst>
-              <a:ext uri="{28A0092B-C50C-407E-A947-70E740481C1C}">
-                <a14:useLocalDpi xmlns:a14="http://schemas.microsoft.com/office/drawing/2010/main" val="0"/>
-              </a:ext>
-            </a:extLst>
-          </a:blip>
-          <a:srcRect/>
-          <a:stretch>
-            <a:fillRect/>
-          </a:stretch>
-        </p:blipFill>
-        <p:spPr bwMode="auto">
-          <a:xfrm>
-            <a:off x="6542008" y="3688107"/>
-            <a:ext cx="1764187" cy="1091870"/>
-          </a:xfrm>
-          <a:prstGeom prst="rect">
-            <a:avLst/>
-          </a:prstGeom>
-          <a:noFill/>
-          <a:ln>
-            <a:noFill/>
-          </a:ln>
-        </p:spPr>
-      </p:pic>
-      <p:sp>
-        <p:nvSpPr>
-          <p:cNvPr id="12" name="Text Box 31"/>
+            <a:endParaRPr lang="en-US" dirty="0" smtClean="0"/>
+          </a:p>
+          <a:p>
+            <a:endParaRPr lang="en-US" dirty="0"/>
+          </a:p>
+          <a:p>
+            <a:endParaRPr lang="en-US" dirty="0" smtClean="0"/>
+          </a:p>
+          <a:p>
+            <a:endParaRPr lang="en-US" dirty="0"/>
+          </a:p>
+          <a:p>
+            <a:endParaRPr lang="en-US" dirty="0" smtClean="0"/>
+          </a:p>
+          <a:p>
+            <a:endParaRPr lang="en-US" dirty="0"/>
+          </a:p>
+          <a:p>
+            <a:endParaRPr lang="en-US" dirty="0" smtClean="0"/>
+          </a:p>
+          <a:p>
+            <a:endParaRPr lang="en-US" dirty="0"/>
+          </a:p>
+          <a:p>
+            <a:endParaRPr lang="en-US" dirty="0" smtClean="0"/>
+          </a:p>
+          <a:p>
+            <a:endParaRPr lang="en-US" dirty="0"/>
+          </a:p>
+          <a:p>
+            <a:endParaRPr lang="en-US" dirty="0" smtClean="0"/>
+          </a:p>
+          <a:p>
+            <a:endParaRPr lang="en-US" dirty="0"/>
+          </a:p>
+          <a:p>
+            <a:endParaRPr lang="en-US" dirty="0" smtClean="0"/>
+          </a:p>
+          <a:p>
+            <a:endParaRPr lang="en-US" dirty="0"/>
+          </a:p>
+          <a:p>
+            <a:endParaRPr lang="en-US" dirty="0" smtClean="0"/>
+          </a:p>
+          <a:p>
+            <a:endParaRPr lang="en-US" dirty="0"/>
+          </a:p>
+          <a:p>
+            <a:endParaRPr lang="en-US" dirty="0" smtClean="0"/>
+          </a:p>
+          <a:p>
+            <a:endParaRPr lang="en-US" dirty="0"/>
+          </a:p>
+          <a:p>
+            <a:endParaRPr lang="en-US" dirty="0"/>
+          </a:p>
+        </p:txBody>
+      </p:sp>
+      <p:sp>
+        <p:nvSpPr>
+          <p:cNvPr id="14" name="Text Box 28672"/>
           <p:cNvSpPr txBox="1"/>
           <p:nvPr/>
         </p:nvSpPr>
         <p:spPr>
           <a:xfrm>
-            <a:off x="6542009" y="1819860"/>
-            <a:ext cx="1866160" cy="329974"/>
+            <a:off x="6593992" y="6103020"/>
+            <a:ext cx="2445418" cy="587140"/>
           </a:xfrm>
           <a:prstGeom prst="rect">
             <a:avLst/>
@@ -3438,75 +3251,26 @@
           </a:bodyPr>
           <a:lstStyle/>
           <a:p>
-            <a:pPr>
+            <a:pPr algn="ctr">
               <a:spcAft>
                 <a:spcPts val="0"/>
               </a:spcAft>
             </a:pPr>
             <a:r>
-              <a:rPr lang="en-US" sz="800" dirty="0">
+              <a:rPr lang="en-US" sz="1200" b="1" dirty="0" smtClean="0">
+                <a:solidFill>
+                  <a:srgbClr val="000000"/>
+                </a:solidFill>
                 <a:effectLst/>
                 <a:ea typeface="ＭＳ 明朝"/>
                 <a:cs typeface="Times New Roman"/>
               </a:rPr>
-              <a:t>LEAP Motion </a:t>
-            </a:r>
-            <a:r>
-              <a:rPr lang="en-US" sz="800" dirty="0" smtClean="0">
-                <a:effectLst/>
-                <a:ea typeface="ＭＳ 明朝"/>
-                <a:cs typeface="Times New Roman"/>
-              </a:rPr>
-              <a:t>Controller</a:t>
-            </a:r>
-            <a:r>
-              <a:rPr lang="en-GB" sz="800" dirty="0">
-                <a:ea typeface="ＭＳ 明朝"/>
-                <a:cs typeface="Times New Roman"/>
-              </a:rPr>
-              <a:t> </a:t>
-            </a:r>
-            <a:r>
-              <a:rPr lang="en-US" sz="800" dirty="0" smtClean="0">
-                <a:effectLst/>
-                <a:ea typeface="ＭＳ 明朝"/>
-                <a:cs typeface="Times New Roman"/>
-              </a:rPr>
-              <a:t>(</a:t>
-            </a:r>
-            <a:r>
-              <a:rPr lang="en-US" sz="800" dirty="0" err="1">
-                <a:effectLst/>
-                <a:ea typeface="ＭＳ 明朝"/>
-                <a:cs typeface="Times New Roman"/>
-              </a:rPr>
-              <a:t>ref:http</a:t>
-            </a:r>
-            <a:r>
-              <a:rPr lang="en-US" sz="800" dirty="0">
-                <a:effectLst/>
-                <a:ea typeface="ＭＳ 明朝"/>
-                <a:cs typeface="Times New Roman"/>
-              </a:rPr>
-              <a:t>://</a:t>
-            </a:r>
-            <a:r>
-              <a:rPr lang="en-US" sz="800" dirty="0" err="1">
-                <a:effectLst/>
-                <a:ea typeface="ＭＳ 明朝"/>
-                <a:cs typeface="Times New Roman"/>
-              </a:rPr>
-              <a:t>www.businessinsider.com</a:t>
-            </a:r>
-            <a:r>
-              <a:rPr lang="en-US" sz="800" dirty="0">
-                <a:effectLst/>
-                <a:ea typeface="ＭＳ 明朝"/>
-                <a:cs typeface="Times New Roman"/>
-              </a:rPr>
-              <a:t>/leap-motion-controller-fun-with-flaws-2013-7?IR=T)</a:t>
-            </a:r>
-            <a:endParaRPr lang="en-GB" sz="800" dirty="0">
+              <a:t>Rift</a:t>
+            </a:r>
+            <a:endParaRPr lang="en-GB" sz="1200" b="1" dirty="0">
+              <a:solidFill>
+                <a:srgbClr val="000000"/>
+              </a:solidFill>
               <a:effectLst/>
               <a:ea typeface="ＭＳ 明朝"/>
               <a:cs typeface="Times New Roman"/>
@@ -3514,16 +3278,356 @@
           </a:p>
         </p:txBody>
       </p:sp>
-      <p:sp>
-        <p:nvSpPr>
-          <p:cNvPr id="13" name="Text Box 28672"/>
+      <p:pic>
+        <p:nvPicPr>
+          <p:cNvPr id="2" name="Picture 1"/>
+          <p:cNvPicPr>
+            <a:picLocks noChangeAspect="1"/>
+          </p:cNvPicPr>
+          <p:nvPr/>
+        </p:nvPicPr>
+        <p:blipFill>
+          <a:blip r:embed="rId3"/>
+          <a:stretch>
+            <a:fillRect/>
+          </a:stretch>
+        </p:blipFill>
+        <p:spPr>
+          <a:xfrm>
+            <a:off x="4517443" y="1539215"/>
+            <a:ext cx="1735418" cy="2263589"/>
+          </a:xfrm>
+          <a:prstGeom prst="rect">
+            <a:avLst/>
+          </a:prstGeom>
+        </p:spPr>
+      </p:pic>
+      <p:sp>
+        <p:nvSpPr>
+          <p:cNvPr id="15" name="TextBox 14"/>
           <p:cNvSpPr txBox="1"/>
           <p:nvPr/>
         </p:nvSpPr>
         <p:spPr>
           <a:xfrm>
-            <a:off x="6514195" y="3338327"/>
-            <a:ext cx="1893973" cy="461688"/>
+            <a:off x="6339099" y="219345"/>
+            <a:ext cx="2760075" cy="6494087"/>
+          </a:xfrm>
+          <a:prstGeom prst="rect">
+            <a:avLst/>
+          </a:prstGeom>
+          <a:noFill/>
+          <a:ln w="38100" cmpd="sng">
+            <a:solidFill>
+              <a:schemeClr val="tx2"/>
+            </a:solidFill>
+          </a:ln>
+        </p:spPr>
+        <p:txBody>
+          <a:bodyPr wrap="square" rtlCol="0">
+            <a:spAutoFit/>
+          </a:bodyPr>
+          <a:lstStyle/>
+          <a:p>
+            <a:endParaRPr lang="en-US" sz="1600" dirty="0" smtClean="0"/>
+          </a:p>
+          <a:p>
+            <a:endParaRPr lang="en-US" sz="1600" dirty="0"/>
+          </a:p>
+          <a:p>
+            <a:endParaRPr lang="en-US" sz="1600" dirty="0" smtClean="0"/>
+          </a:p>
+          <a:p>
+            <a:endParaRPr lang="en-US" sz="1600" dirty="0"/>
+          </a:p>
+          <a:p>
+            <a:endParaRPr lang="en-US" sz="1600" dirty="0" smtClean="0"/>
+          </a:p>
+          <a:p>
+            <a:endParaRPr lang="en-US" sz="1600" dirty="0"/>
+          </a:p>
+          <a:p>
+            <a:endParaRPr lang="en-US" sz="1600" dirty="0" smtClean="0"/>
+          </a:p>
+          <a:p>
+            <a:endParaRPr lang="en-US" sz="1600" dirty="0"/>
+          </a:p>
+          <a:p>
+            <a:endParaRPr lang="en-US" sz="1600" dirty="0" smtClean="0"/>
+          </a:p>
+          <a:p>
+            <a:endParaRPr lang="en-US" sz="1600" dirty="0"/>
+          </a:p>
+          <a:p>
+            <a:endParaRPr lang="en-US" sz="1600" dirty="0" smtClean="0"/>
+          </a:p>
+          <a:p>
+            <a:endParaRPr lang="en-US" sz="1600" dirty="0"/>
+          </a:p>
+          <a:p>
+            <a:endParaRPr lang="en-US" sz="1600" dirty="0" smtClean="0"/>
+          </a:p>
+          <a:p>
+            <a:endParaRPr lang="en-US" sz="1600" dirty="0"/>
+          </a:p>
+          <a:p>
+            <a:endParaRPr lang="en-US" sz="1600" dirty="0" smtClean="0"/>
+          </a:p>
+          <a:p>
+            <a:endParaRPr lang="en-US" sz="1600" dirty="0"/>
+          </a:p>
+          <a:p>
+            <a:endParaRPr lang="en-US" sz="1600" dirty="0" smtClean="0"/>
+          </a:p>
+          <a:p>
+            <a:endParaRPr lang="en-US" sz="1600" dirty="0"/>
+          </a:p>
+          <a:p>
+            <a:endParaRPr lang="en-US" sz="1600" dirty="0" smtClean="0"/>
+          </a:p>
+          <a:p>
+            <a:endParaRPr lang="en-US" sz="1600" dirty="0" smtClean="0"/>
+          </a:p>
+          <a:p>
+            <a:endParaRPr lang="en-US" sz="1600" dirty="0"/>
+          </a:p>
+          <a:p>
+            <a:endParaRPr lang="en-US" sz="1600" dirty="0" smtClean="0"/>
+          </a:p>
+          <a:p>
+            <a:endParaRPr lang="en-US" sz="1600" dirty="0"/>
+          </a:p>
+          <a:p>
+            <a:endParaRPr lang="en-US" sz="1600" dirty="0"/>
+          </a:p>
+          <a:p>
+            <a:pPr algn="ctr"/>
+            <a:endParaRPr lang="en-US" sz="1600" b="1" dirty="0" smtClean="0">
+              <a:solidFill>
+                <a:srgbClr val="1F497D"/>
+              </a:solidFill>
+            </a:endParaRPr>
+          </a:p>
+          <a:p>
+            <a:pPr algn="ctr"/>
+            <a:r>
+              <a:rPr lang="en-US" sz="1600" b="1" dirty="0" smtClean="0">
+                <a:solidFill>
+                  <a:srgbClr val="1F497D"/>
+                </a:solidFill>
+              </a:rPr>
+              <a:t>User </a:t>
+            </a:r>
+            <a:r>
+              <a:rPr lang="en-US" sz="1600" b="1" dirty="0">
+                <a:solidFill>
+                  <a:srgbClr val="1F497D"/>
+                </a:solidFill>
+              </a:rPr>
+              <a:t>I</a:t>
+            </a:r>
+            <a:r>
+              <a:rPr lang="en-US" sz="1600" b="1" dirty="0" smtClean="0">
+                <a:solidFill>
+                  <a:srgbClr val="1F497D"/>
+                </a:solidFill>
+              </a:rPr>
+              <a:t>nterface Layer</a:t>
+            </a:r>
+          </a:p>
+        </p:txBody>
+      </p:sp>
+      <p:sp>
+        <p:nvSpPr>
+          <p:cNvPr id="5" name="Left-Right Arrow 4"/>
+          <p:cNvSpPr/>
+          <p:nvPr/>
+        </p:nvSpPr>
+        <p:spPr>
+          <a:xfrm>
+            <a:off x="4484121" y="2671010"/>
+            <a:ext cx="814970" cy="142114"/>
+          </a:xfrm>
+          <a:prstGeom prst="leftRightArrow">
+            <a:avLst/>
+          </a:prstGeom>
+        </p:spPr>
+        <p:style>
+          <a:lnRef idx="1">
+            <a:schemeClr val="accent1"/>
+          </a:lnRef>
+          <a:fillRef idx="3">
+            <a:schemeClr val="accent1"/>
+          </a:fillRef>
+          <a:effectRef idx="2">
+            <a:schemeClr val="accent1"/>
+          </a:effectRef>
+          <a:fontRef idx="minor">
+            <a:schemeClr val="lt1"/>
+          </a:fontRef>
+        </p:style>
+        <p:txBody>
+          <a:bodyPr rot="0" spcFirstLastPara="0" vert="horz" wrap="square" lIns="91440" tIns="45720" rIns="91440" bIns="45720" numCol="1" spcCol="0" rtlCol="0" fromWordArt="0" anchor="ctr" anchorCtr="0" forceAA="0" compatLnSpc="1">
+            <a:prstTxWarp prst="textNoShape">
+              <a:avLst/>
+            </a:prstTxWarp>
+            <a:noAutofit/>
+          </a:bodyPr>
+          <a:lstStyle/>
+          <a:p>
+            <a:endParaRPr lang="en-US" dirty="0"/>
+          </a:p>
+        </p:txBody>
+      </p:sp>
+      <p:sp>
+        <p:nvSpPr>
+          <p:cNvPr id="7" name="Left-Right Arrow 6"/>
+          <p:cNvSpPr/>
+          <p:nvPr/>
+        </p:nvSpPr>
+        <p:spPr>
+          <a:xfrm>
+            <a:off x="5490174" y="2671010"/>
+            <a:ext cx="814970" cy="142114"/>
+          </a:xfrm>
+          <a:prstGeom prst="leftRightArrow">
+            <a:avLst/>
+          </a:prstGeom>
+        </p:spPr>
+        <p:style>
+          <a:lnRef idx="1">
+            <a:schemeClr val="accent1"/>
+          </a:lnRef>
+          <a:fillRef idx="3">
+            <a:schemeClr val="accent1"/>
+          </a:fillRef>
+          <a:effectRef idx="2">
+            <a:schemeClr val="accent1"/>
+          </a:effectRef>
+          <a:fontRef idx="minor">
+            <a:schemeClr val="lt1"/>
+          </a:fontRef>
+        </p:style>
+        <p:txBody>
+          <a:bodyPr rot="0" spcFirstLastPara="0" vert="horz" wrap="square" lIns="91440" tIns="45720" rIns="91440" bIns="45720" numCol="1" spcCol="0" rtlCol="0" fromWordArt="0" anchor="ctr" anchorCtr="0" forceAA="0" compatLnSpc="1">
+            <a:prstTxWarp prst="textNoShape">
+              <a:avLst/>
+            </a:prstTxWarp>
+            <a:noAutofit/>
+          </a:bodyPr>
+          <a:lstStyle/>
+          <a:p>
+            <a:endParaRPr lang="en-US"/>
+          </a:p>
+        </p:txBody>
+      </p:sp>
+      <p:pic>
+        <p:nvPicPr>
+          <p:cNvPr id="9" name="Picture 8"/>
+          <p:cNvPicPr/>
+          <p:nvPr/>
+        </p:nvPicPr>
+        <p:blipFill>
+          <a:blip r:embed="rId4">
+            <a:extLst>
+              <a:ext uri="{28A0092B-C50C-407E-A947-70E740481C1C}">
+                <a14:useLocalDpi xmlns:a14="http://schemas.microsoft.com/office/drawing/2010/main" val="0"/>
+              </a:ext>
+            </a:extLst>
+          </a:blip>
+          <a:srcRect/>
+          <a:stretch>
+            <a:fillRect/>
+          </a:stretch>
+        </p:blipFill>
+        <p:spPr bwMode="auto">
+          <a:xfrm>
+            <a:off x="6488511" y="318693"/>
+            <a:ext cx="2459347" cy="1862720"/>
+          </a:xfrm>
+          <a:prstGeom prst="rect">
+            <a:avLst/>
+          </a:prstGeom>
+          <a:noFill/>
+          <a:ln>
+            <a:noFill/>
+          </a:ln>
+        </p:spPr>
+      </p:pic>
+      <p:pic>
+        <p:nvPicPr>
+          <p:cNvPr id="10" name="Picture 9"/>
+          <p:cNvPicPr/>
+          <p:nvPr/>
+        </p:nvPicPr>
+        <p:blipFill rotWithShape="1">
+          <a:blip r:embed="rId5">
+            <a:extLst>
+              <a:ext uri="{28A0092B-C50C-407E-A947-70E740481C1C}">
+                <a14:useLocalDpi xmlns:a14="http://schemas.microsoft.com/office/drawing/2010/main" val="0"/>
+              </a:ext>
+            </a:extLst>
+          </a:blip>
+          <a:srcRect r="14725"/>
+          <a:stretch/>
+        </p:blipFill>
+        <p:spPr bwMode="auto">
+          <a:xfrm>
+            <a:off x="6488511" y="2437076"/>
+            <a:ext cx="2493279" cy="1731513"/>
+          </a:xfrm>
+          <a:prstGeom prst="rect">
+            <a:avLst/>
+          </a:prstGeom>
+          <a:noFill/>
+          <a:ln>
+            <a:noFill/>
+          </a:ln>
+        </p:spPr>
+      </p:pic>
+      <p:pic>
+        <p:nvPicPr>
+          <p:cNvPr id="11" name="Picture 10"/>
+          <p:cNvPicPr/>
+          <p:nvPr/>
+        </p:nvPicPr>
+        <p:blipFill>
+          <a:blip r:embed="rId6">
+            <a:extLst>
+              <a:ext uri="{28A0092B-C50C-407E-A947-70E740481C1C}">
+                <a14:useLocalDpi xmlns:a14="http://schemas.microsoft.com/office/drawing/2010/main" val="0"/>
+              </a:ext>
+            </a:extLst>
+          </a:blip>
+          <a:srcRect/>
+          <a:stretch>
+            <a:fillRect/>
+          </a:stretch>
+        </p:blipFill>
+        <p:spPr bwMode="auto">
+          <a:xfrm>
+            <a:off x="6473570" y="4407050"/>
+            <a:ext cx="2508220" cy="1725851"/>
+          </a:xfrm>
+          <a:prstGeom prst="rect">
+            <a:avLst/>
+          </a:prstGeom>
+          <a:noFill/>
+          <a:ln>
+            <a:noFill/>
+          </a:ln>
+        </p:spPr>
+      </p:pic>
+      <p:sp>
+        <p:nvSpPr>
+          <p:cNvPr id="12" name="Text Box 31"/>
+          <p:cNvSpPr txBox="1"/>
+          <p:nvPr/>
+        </p:nvSpPr>
+        <p:spPr>
+          <a:xfrm>
+            <a:off x="6689434" y="2146331"/>
+            <a:ext cx="2217651" cy="410273"/>
           </a:xfrm>
           <a:prstGeom prst="rect">
             <a:avLst/>
@@ -3562,76 +3666,26 @@
           </a:bodyPr>
           <a:lstStyle/>
           <a:p>
-            <a:pPr>
+            <a:pPr algn="ctr">
               <a:spcAft>
                 <a:spcPts val="0"/>
               </a:spcAft>
             </a:pPr>
             <a:r>
-              <a:rPr lang="en-US" sz="800" dirty="0" smtClean="0">
+              <a:rPr lang="en-GB" sz="1200" b="1" dirty="0" smtClean="0">
+                <a:solidFill>
+                  <a:srgbClr val="000000"/>
+                </a:solidFill>
                 <a:effectLst/>
                 <a:ea typeface="ＭＳ 明朝"/>
                 <a:cs typeface="Times New Roman"/>
               </a:rPr>
-              <a:t>Xbox </a:t>
-            </a:r>
-            <a:r>
-              <a:rPr lang="en-US" sz="800" dirty="0">
-                <a:effectLst/>
-                <a:ea typeface="ＭＳ 明朝"/>
-                <a:cs typeface="Times New Roman"/>
-              </a:rPr>
-              <a:t>(ref: http://</a:t>
-            </a:r>
-            <a:r>
-              <a:rPr lang="en-US" sz="800" dirty="0" err="1">
-                <a:effectLst/>
-                <a:ea typeface="ＭＳ 明朝"/>
-                <a:cs typeface="Times New Roman"/>
-              </a:rPr>
-              <a:t>www.kinect-hire.co.uk</a:t>
-            </a:r>
-            <a:r>
-              <a:rPr lang="en-US" sz="800" dirty="0">
-                <a:effectLst/>
-                <a:ea typeface="ＭＳ 明朝"/>
-                <a:cs typeface="Times New Roman"/>
-              </a:rPr>
-              <a:t>/</a:t>
-            </a:r>
-            <a:r>
-              <a:rPr lang="en-US" sz="800" dirty="0" err="1">
-                <a:effectLst/>
-                <a:ea typeface="ＭＳ 明朝"/>
-                <a:cs typeface="Times New Roman"/>
-              </a:rPr>
-              <a:t>xbox</a:t>
-            </a:r>
-            <a:r>
-              <a:rPr lang="en-US" sz="800" dirty="0">
-                <a:effectLst/>
-                <a:ea typeface="ＭＳ 明朝"/>
-                <a:cs typeface="Times New Roman"/>
-              </a:rPr>
-              <a:t>-</a:t>
-            </a:r>
-            <a:r>
-              <a:rPr lang="en-US" sz="800" dirty="0" err="1">
-                <a:effectLst/>
-                <a:ea typeface="ＭＳ 明朝"/>
-                <a:cs typeface="Times New Roman"/>
-              </a:rPr>
-              <a:t>kinect</a:t>
-            </a:r>
-            <a:r>
-              <a:rPr lang="en-US" sz="800" dirty="0">
-                <a:effectLst/>
-                <a:ea typeface="ＭＳ 明朝"/>
-                <a:cs typeface="Times New Roman"/>
-              </a:rPr>
-              <a:t>-hire/)</a:t>
-            </a:r>
-            <a:endParaRPr lang="en-GB" sz="800" dirty="0">
+              <a:t>LEAP</a:t>
+            </a:r>
+            <a:endParaRPr lang="en-GB" sz="1200" b="1" dirty="0">
+              <a:solidFill>
+                <a:srgbClr val="000000"/>
+              </a:solidFill>
               <a:effectLst/>
               <a:ea typeface="ＭＳ 明朝"/>
               <a:cs typeface="Times New Roman"/>
@@ -3641,14 +3695,14 @@
       </p:sp>
       <p:sp>
         <p:nvSpPr>
-          <p:cNvPr id="14" name="Text Box 28672"/>
+          <p:cNvPr id="13" name="Text Box 28672"/>
           <p:cNvSpPr txBox="1"/>
           <p:nvPr/>
         </p:nvSpPr>
         <p:spPr>
           <a:xfrm>
-            <a:off x="6542008" y="4784262"/>
-            <a:ext cx="1828800" cy="472225"/>
+            <a:off x="6701205" y="4107066"/>
+            <a:ext cx="2250703" cy="574039"/>
           </a:xfrm>
           <a:prstGeom prst="rect">
             <a:avLst/>
@@ -3687,51 +3741,25 @@
           </a:bodyPr>
           <a:lstStyle/>
           <a:p>
-            <a:pPr>
+            <a:pPr algn="ctr">
               <a:spcAft>
                 <a:spcPts val="0"/>
               </a:spcAft>
             </a:pPr>
             <a:r>
-              <a:rPr lang="en-US" sz="800" dirty="0" smtClean="0">
-                <a:effectLst/>
+              <a:rPr lang="en-US" sz="1200" b="1" dirty="0" err="1" smtClean="0">
+                <a:solidFill>
+                  <a:srgbClr val="000000"/>
+                </a:solidFill>
                 <a:ea typeface="ＭＳ 明朝"/>
                 <a:cs typeface="Times New Roman"/>
               </a:rPr>
-              <a:t>Oculus </a:t>
-            </a:r>
-            <a:r>
-              <a:rPr lang="en-US" sz="800" dirty="0">
-                <a:effectLst/>
-                <a:ea typeface="ＭＳ 明朝"/>
-                <a:cs typeface="Times New Roman"/>
-              </a:rPr>
-              <a:t>Rift (ref: http://</a:t>
-            </a:r>
-            <a:r>
-              <a:rPr lang="en-US" sz="800" dirty="0" err="1">
-                <a:effectLst/>
-                <a:ea typeface="ＭＳ 明朝"/>
-                <a:cs typeface="Times New Roman"/>
-              </a:rPr>
-              <a:t>www.gamerhub.tv</a:t>
-            </a:r>
-            <a:r>
-              <a:rPr lang="en-US" sz="800" dirty="0">
-                <a:effectLst/>
-                <a:ea typeface="ＭＳ 明朝"/>
-                <a:cs typeface="Times New Roman"/>
-              </a:rPr>
-              <a:t>/articles/oculus-rift-virtual-reality-is-unreal/2013/03/31/)</a:t>
-            </a:r>
-            <a:br>
-              <a:rPr lang="en-US" sz="800" dirty="0">
-                <a:effectLst/>
-                <a:ea typeface="ＭＳ 明朝"/>
-                <a:cs typeface="Times New Roman"/>
-              </a:rPr>
-            </a:br>
-            <a:endParaRPr lang="en-GB" sz="800" dirty="0">
+              <a:t>Kinect</a:t>
+            </a:r>
+            <a:endParaRPr lang="en-GB" sz="1200" b="1" dirty="0">
+              <a:solidFill>
+                <a:srgbClr val="000000"/>
+              </a:solidFill>
               <a:effectLst/>
               <a:ea typeface="ＭＳ 明朝"/>
               <a:cs typeface="Times New Roman"/>
@@ -3741,202 +3769,64 @@
       </p:sp>
       <p:sp>
         <p:nvSpPr>
-          <p:cNvPr id="15" name="TextBox 14"/>
+          <p:cNvPr id="17" name="Text Box 28672"/>
           <p:cNvSpPr txBox="1"/>
           <p:nvPr/>
         </p:nvSpPr>
         <p:spPr>
           <a:xfrm>
-            <a:off x="6261693" y="398640"/>
-            <a:ext cx="2322611" cy="5355313"/>
+            <a:off x="4252348" y="3526939"/>
+            <a:ext cx="2445418" cy="587140"/>
           </a:xfrm>
           <a:prstGeom prst="rect">
             <a:avLst/>
           </a:prstGeom>
           <a:noFill/>
-          <a:ln w="38100" cmpd="sng">
-            <a:solidFill>
-              <a:schemeClr val="tx2"/>
-            </a:solidFill>
+          <a:ln>
+            <a:noFill/>
           </a:ln>
+          <a:effectLst/>
+          <a:extLst>
+            <a:ext uri="{C572A759-6A51-4108-AA02-DFA0A04FC94B}">
+              <ma14:wrappingTextBoxFlag xmlns:ma14="http://schemas.microsoft.com/office/mac/drawingml/2011/main"/>
+            </a:ext>
+          </a:extLst>
         </p:spPr>
-        <p:txBody>
-          <a:bodyPr wrap="square" rtlCol="0">
-            <a:spAutoFit/>
+        <p:style>
+          <a:lnRef idx="0">
+            <a:schemeClr val="accent1"/>
+          </a:lnRef>
+          <a:fillRef idx="0">
+            <a:schemeClr val="accent1"/>
+          </a:fillRef>
+          <a:effectRef idx="0">
+            <a:schemeClr val="accent1"/>
+          </a:effectRef>
+          <a:fontRef idx="minor">
+            <a:schemeClr val="dk1"/>
+          </a:fontRef>
+        </p:style>
+        <p:txBody>
+          <a:bodyPr rot="0" spcFirstLastPara="0" vert="horz" wrap="square" lIns="91440" tIns="45720" rIns="91440" bIns="45720" numCol="1" spcCol="0" rtlCol="0" fromWordArt="0" anchor="t" anchorCtr="0" forceAA="0" compatLnSpc="1">
+            <a:prstTxWarp prst="textNoShape">
+              <a:avLst/>
+            </a:prstTxWarp>
+            <a:noAutofit/>
           </a:bodyPr>
           <a:lstStyle/>
           <a:p>
-            <a:endParaRPr lang="en-US" dirty="0" smtClean="0"/>
-          </a:p>
-          <a:p>
-            <a:endParaRPr lang="en-US" dirty="0"/>
-          </a:p>
-          <a:p>
-            <a:endParaRPr lang="en-US" dirty="0" smtClean="0"/>
-          </a:p>
-          <a:p>
-            <a:endParaRPr lang="en-US" dirty="0"/>
-          </a:p>
-          <a:p>
-            <a:endParaRPr lang="en-US" dirty="0" smtClean="0"/>
-          </a:p>
-          <a:p>
-            <a:endParaRPr lang="en-US" dirty="0"/>
-          </a:p>
-          <a:p>
-            <a:endParaRPr lang="en-US" dirty="0" smtClean="0"/>
-          </a:p>
-          <a:p>
-            <a:endParaRPr lang="en-US" dirty="0"/>
-          </a:p>
-          <a:p>
-            <a:endParaRPr lang="en-US" dirty="0" smtClean="0"/>
-          </a:p>
-          <a:p>
-            <a:endParaRPr lang="en-US" dirty="0"/>
-          </a:p>
-          <a:p>
-            <a:endParaRPr lang="en-US" dirty="0" smtClean="0"/>
-          </a:p>
-          <a:p>
-            <a:endParaRPr lang="en-US" dirty="0"/>
-          </a:p>
-          <a:p>
-            <a:endParaRPr lang="en-US" dirty="0" smtClean="0"/>
-          </a:p>
-          <a:p>
-            <a:endParaRPr lang="en-US" dirty="0"/>
-          </a:p>
-          <a:p>
-            <a:endParaRPr lang="en-US" dirty="0" smtClean="0"/>
-          </a:p>
-          <a:p>
-            <a:endParaRPr lang="en-US" dirty="0"/>
-          </a:p>
-          <a:p>
-            <a:endParaRPr lang="en-US" dirty="0" smtClean="0"/>
-          </a:p>
-          <a:p>
-            <a:endParaRPr lang="en-US" dirty="0"/>
-          </a:p>
-          <a:p>
             <a:pPr algn="ctr"/>
             <a:r>
-              <a:rPr lang="en-US" sz="1200" b="1" dirty="0" smtClean="0">
+              <a:rPr lang="en-US" sz="1600" b="1" dirty="0" smtClean="0">
                 <a:solidFill>
                   <a:srgbClr val="1F497D"/>
                 </a:solidFill>
               </a:rPr>
-              <a:t>User </a:t>
-            </a:r>
-            <a:r>
-              <a:rPr lang="en-US" sz="1200" b="1" dirty="0">
-                <a:solidFill>
-                  <a:srgbClr val="1F497D"/>
-                </a:solidFill>
-              </a:rPr>
-              <a:t>I</a:t>
-            </a:r>
-            <a:r>
-              <a:rPr lang="en-US" sz="1200" b="1" dirty="0" smtClean="0">
-                <a:solidFill>
-                  <a:srgbClr val="1F497D"/>
-                </a:solidFill>
-              </a:rPr>
-              <a:t>nterface Layer</a:t>
-            </a:r>
-          </a:p>
-        </p:txBody>
-      </p:sp>
-      <p:sp>
-        <p:nvSpPr>
-          <p:cNvPr id="16" name="TextBox 15"/>
-          <p:cNvSpPr txBox="1"/>
-          <p:nvPr/>
-        </p:nvSpPr>
-        <p:spPr>
-          <a:xfrm>
-            <a:off x="120516" y="1360064"/>
-            <a:ext cx="2651306" cy="3046987"/>
-          </a:xfrm>
-          <a:prstGeom prst="rect">
-            <a:avLst/>
-          </a:prstGeom>
-          <a:noFill/>
-          <a:ln w="38100" cmpd="sng">
-            <a:solidFill>
-              <a:srgbClr val="1F497D"/>
-            </a:solidFill>
-          </a:ln>
-        </p:spPr>
-        <p:txBody>
-          <a:bodyPr wrap="square" rtlCol="0">
-            <a:spAutoFit/>
-          </a:bodyPr>
-          <a:lstStyle/>
-          <a:p>
-            <a:endParaRPr lang="en-US" sz="1200" dirty="0" smtClean="0"/>
-          </a:p>
-          <a:p>
-            <a:endParaRPr lang="en-US" sz="1200" dirty="0" smtClean="0"/>
-          </a:p>
-          <a:p>
-            <a:endParaRPr lang="en-US" sz="1200" dirty="0"/>
-          </a:p>
-          <a:p>
-            <a:endParaRPr lang="en-US" sz="1200" dirty="0" smtClean="0"/>
-          </a:p>
-          <a:p>
-            <a:endParaRPr lang="en-US" sz="1200" dirty="0" smtClean="0"/>
-          </a:p>
-          <a:p>
-            <a:endParaRPr lang="en-US" sz="1200" dirty="0"/>
-          </a:p>
-          <a:p>
-            <a:endParaRPr lang="en-US" sz="1200" dirty="0" smtClean="0"/>
-          </a:p>
-          <a:p>
-            <a:endParaRPr lang="en-US" sz="1200" dirty="0"/>
-          </a:p>
-          <a:p>
-            <a:endParaRPr lang="en-US" sz="1200" dirty="0" smtClean="0"/>
-          </a:p>
-          <a:p>
-            <a:endParaRPr lang="en-US" sz="1200" dirty="0"/>
-          </a:p>
-          <a:p>
-            <a:endParaRPr lang="en-US" sz="1200" dirty="0" smtClean="0"/>
-          </a:p>
-          <a:p>
-            <a:endParaRPr lang="en-US" sz="1200" dirty="0"/>
-          </a:p>
-          <a:p>
-            <a:endParaRPr lang="en-US" sz="1200" dirty="0" smtClean="0"/>
-          </a:p>
-          <a:p>
-            <a:endParaRPr lang="en-US" sz="1200" dirty="0"/>
-          </a:p>
-          <a:p>
-            <a:pPr algn="ctr"/>
-            <a:endParaRPr lang="en-US" sz="1200" b="1" dirty="0">
+              <a:t>User Model</a:t>
+            </a:r>
+            <a:endParaRPr lang="en-US" sz="1600" b="1" dirty="0">
               <a:solidFill>
-                <a:schemeClr val="tx2"/>
-              </a:solidFill>
-            </a:endParaRPr>
-          </a:p>
-          <a:p>
-            <a:pPr algn="ctr"/>
-            <a:r>
-              <a:rPr lang="en-US" sz="1200" b="1" dirty="0" smtClean="0">
-                <a:solidFill>
-                  <a:schemeClr val="tx2"/>
-                </a:solidFill>
-              </a:rPr>
-              <a:t>Search Engine Architecture</a:t>
-            </a:r>
-            <a:endParaRPr lang="en-US" sz="1200" b="1" dirty="0">
-              <a:solidFill>
-                <a:schemeClr val="tx2"/>
+                <a:srgbClr val="1F497D"/>
               </a:solidFill>
             </a:endParaRPr>
           </a:p>
